--- a/doc/책 제본.pptx
+++ b/doc/책 제본.pptx
@@ -10,6 +10,9 @@
     <p:sldId id="259" r:id="rId4"/>
     <p:sldId id="260" r:id="rId5"/>
     <p:sldId id="261" r:id="rId6"/>
+    <p:sldId id="262" r:id="rId7"/>
+    <p:sldId id="263" r:id="rId8"/>
+    <p:sldId id="264" r:id="rId9"/>
   </p:sldIdLst>
   <p:sldSz cx="9144000" cy="6858000" type="screen4x3"/>
   <p:notesSz cx="6858000" cy="9144000"/>
@@ -108,6 +111,11 @@
       </a:defRPr>
     </a:lvl9pPr>
   </p:defaultTextStyle>
+  <p:extLst>
+    <p:ext uri="{EFAFB233-063F-42B5-8137-9DF3F51BA10A}">
+      <p15:sldGuideLst xmlns:p15="http://schemas.microsoft.com/office/powerpoint/2012/main"/>
+    </p:ext>
+  </p:extLst>
 </p:presentation>
 </file>
 
@@ -3149,6 +3157,71 @@
           </a:p>
         </p:txBody>
       </p:sp>
+      <p:sp>
+        <p:nvSpPr>
+          <p:cNvPr id="4" name="제목 1">
+            <a:extLst>
+              <a:ext uri="{FF2B5EF4-FFF2-40B4-BE49-F238E27FC236}">
+                <a16:creationId xmlns:a16="http://schemas.microsoft.com/office/drawing/2014/main" id="{D2854BA4-7B29-4967-AD7C-4C28C27E1845}"/>
+              </a:ext>
+            </a:extLst>
+          </p:cNvPr>
+          <p:cNvSpPr txBox="1">
+            <a:spLocks/>
+          </p:cNvSpPr>
+          <p:nvPr/>
+        </p:nvSpPr>
+        <p:spPr>
+          <a:xfrm>
+            <a:off x="0" y="0"/>
+            <a:ext cx="7772400" cy="615011"/>
+          </a:xfrm>
+          <a:prstGeom prst="rect">
+            <a:avLst/>
+          </a:prstGeom>
+        </p:spPr>
+        <p:txBody>
+          <a:bodyPr vert="horz" lIns="91440" tIns="45720" rIns="91440" bIns="45720" rtlCol="0" anchor="t">
+            <a:normAutofit/>
+          </a:bodyPr>
+          <a:lstStyle>
+            <a:lvl1pPr algn="ctr" defTabSz="914400" rtl="0" eaLnBrk="1" latinLnBrk="1" hangingPunct="1">
+              <a:lnSpc>
+                <a:spcPct val="90000"/>
+              </a:lnSpc>
+              <a:spcBef>
+                <a:spcPct val="0"/>
+              </a:spcBef>
+              <a:buNone/>
+              <a:defRPr sz="6000" kern="1200">
+                <a:solidFill>
+                  <a:schemeClr val="tx1"/>
+                </a:solidFill>
+                <a:latin typeface="+mj-lt"/>
+                <a:ea typeface="+mj-ea"/>
+                <a:cs typeface="+mj-cs"/>
+              </a:defRPr>
+            </a:lvl1pPr>
+          </a:lstStyle>
+          <a:p>
+            <a:pPr algn="l"/>
+            <a:r>
+              <a:rPr lang="en-US" altLang="ko-KR" sz="2800" dirty="0">
+                <a:latin typeface="HY견명조" panose="02030600000101010101" pitchFamily="18" charset="-127"/>
+                <a:ea typeface="HY견명조" panose="02030600000101010101" pitchFamily="18" charset="-127"/>
+              </a:rPr>
+              <a:t>Part 1 </a:t>
+            </a:r>
+            <a:r>
+              <a:rPr lang="ko-KR" altLang="en-US" sz="2800" dirty="0">
+                <a:latin typeface="HY견명조" panose="02030600000101010101" pitchFamily="18" charset="-127"/>
+                <a:ea typeface="HY견명조" panose="02030600000101010101" pitchFamily="18" charset="-127"/>
+              </a:rPr>
+              <a:t>기본 테크닉</a:t>
+            </a:r>
+          </a:p>
+        </p:txBody>
+      </p:sp>
     </p:spTree>
     <p:extLst>
       <p:ext uri="{BB962C8B-B14F-4D97-AF65-F5344CB8AC3E}">
@@ -3241,6 +3314,71 @@
           </a:p>
         </p:txBody>
       </p:sp>
+      <p:sp>
+        <p:nvSpPr>
+          <p:cNvPr id="4" name="제목 1">
+            <a:extLst>
+              <a:ext uri="{FF2B5EF4-FFF2-40B4-BE49-F238E27FC236}">
+                <a16:creationId xmlns:a16="http://schemas.microsoft.com/office/drawing/2014/main" id="{2D792E8F-D652-4909-AAE2-9E9BCF1AABDA}"/>
+              </a:ext>
+            </a:extLst>
+          </p:cNvPr>
+          <p:cNvSpPr txBox="1">
+            <a:spLocks/>
+          </p:cNvSpPr>
+          <p:nvPr/>
+        </p:nvSpPr>
+        <p:spPr>
+          <a:xfrm>
+            <a:off x="0" y="0"/>
+            <a:ext cx="7772400" cy="615011"/>
+          </a:xfrm>
+          <a:prstGeom prst="rect">
+            <a:avLst/>
+          </a:prstGeom>
+        </p:spPr>
+        <p:txBody>
+          <a:bodyPr vert="horz" lIns="91440" tIns="45720" rIns="91440" bIns="45720" rtlCol="0" anchor="t">
+            <a:normAutofit/>
+          </a:bodyPr>
+          <a:lstStyle>
+            <a:lvl1pPr algn="ctr" defTabSz="914400" rtl="0" eaLnBrk="1" latinLnBrk="1" hangingPunct="1">
+              <a:lnSpc>
+                <a:spcPct val="90000"/>
+              </a:lnSpc>
+              <a:spcBef>
+                <a:spcPct val="0"/>
+              </a:spcBef>
+              <a:buNone/>
+              <a:defRPr sz="6000" kern="1200">
+                <a:solidFill>
+                  <a:schemeClr val="tx1"/>
+                </a:solidFill>
+                <a:latin typeface="+mj-lt"/>
+                <a:ea typeface="+mj-ea"/>
+                <a:cs typeface="+mj-cs"/>
+              </a:defRPr>
+            </a:lvl1pPr>
+          </a:lstStyle>
+          <a:p>
+            <a:pPr algn="l"/>
+            <a:r>
+              <a:rPr lang="en-US" altLang="ko-KR" sz="2800" dirty="0">
+                <a:latin typeface="HY견명조" panose="02030600000101010101" pitchFamily="18" charset="-127"/>
+                <a:ea typeface="HY견명조" panose="02030600000101010101" pitchFamily="18" charset="-127"/>
+              </a:rPr>
+              <a:t>Part 1 </a:t>
+            </a:r>
+            <a:r>
+              <a:rPr lang="ko-KR" altLang="en-US" sz="2800" dirty="0">
+                <a:latin typeface="HY견명조" panose="02030600000101010101" pitchFamily="18" charset="-127"/>
+                <a:ea typeface="HY견명조" panose="02030600000101010101" pitchFamily="18" charset="-127"/>
+              </a:rPr>
+              <a:t>기본 테크닉</a:t>
+            </a:r>
+          </a:p>
+        </p:txBody>
+      </p:sp>
     </p:spTree>
     <p:extLst>
       <p:ext uri="{BB962C8B-B14F-4D97-AF65-F5344CB8AC3E}">
@@ -3342,6 +3480,71 @@
           </a:p>
         </p:txBody>
       </p:sp>
+      <p:sp>
+        <p:nvSpPr>
+          <p:cNvPr id="4" name="제목 1">
+            <a:extLst>
+              <a:ext uri="{FF2B5EF4-FFF2-40B4-BE49-F238E27FC236}">
+                <a16:creationId xmlns:a16="http://schemas.microsoft.com/office/drawing/2014/main" id="{E28D5DBA-8935-4969-9F04-F747B0A26A3F}"/>
+              </a:ext>
+            </a:extLst>
+          </p:cNvPr>
+          <p:cNvSpPr txBox="1">
+            <a:spLocks/>
+          </p:cNvSpPr>
+          <p:nvPr/>
+        </p:nvSpPr>
+        <p:spPr>
+          <a:xfrm>
+            <a:off x="0" y="0"/>
+            <a:ext cx="7772400" cy="615011"/>
+          </a:xfrm>
+          <a:prstGeom prst="rect">
+            <a:avLst/>
+          </a:prstGeom>
+        </p:spPr>
+        <p:txBody>
+          <a:bodyPr vert="horz" lIns="91440" tIns="45720" rIns="91440" bIns="45720" rtlCol="0" anchor="t">
+            <a:normAutofit/>
+          </a:bodyPr>
+          <a:lstStyle>
+            <a:lvl1pPr algn="ctr" defTabSz="914400" rtl="0" eaLnBrk="1" latinLnBrk="1" hangingPunct="1">
+              <a:lnSpc>
+                <a:spcPct val="90000"/>
+              </a:lnSpc>
+              <a:spcBef>
+                <a:spcPct val="0"/>
+              </a:spcBef>
+              <a:buNone/>
+              <a:defRPr sz="6000" kern="1200">
+                <a:solidFill>
+                  <a:schemeClr val="tx1"/>
+                </a:solidFill>
+                <a:latin typeface="+mj-lt"/>
+                <a:ea typeface="+mj-ea"/>
+                <a:cs typeface="+mj-cs"/>
+              </a:defRPr>
+            </a:lvl1pPr>
+          </a:lstStyle>
+          <a:p>
+            <a:pPr algn="l"/>
+            <a:r>
+              <a:rPr lang="en-US" altLang="ko-KR" sz="2800" dirty="0">
+                <a:latin typeface="HY견명조" panose="02030600000101010101" pitchFamily="18" charset="-127"/>
+                <a:ea typeface="HY견명조" panose="02030600000101010101" pitchFamily="18" charset="-127"/>
+              </a:rPr>
+              <a:t>Part 1 </a:t>
+            </a:r>
+            <a:r>
+              <a:rPr lang="ko-KR" altLang="en-US" sz="2800" dirty="0">
+                <a:latin typeface="HY견명조" panose="02030600000101010101" pitchFamily="18" charset="-127"/>
+                <a:ea typeface="HY견명조" panose="02030600000101010101" pitchFamily="18" charset="-127"/>
+              </a:rPr>
+              <a:t>기본 테크닉</a:t>
+            </a:r>
+          </a:p>
+        </p:txBody>
+      </p:sp>
     </p:spTree>
     <p:extLst>
       <p:ext uri="{BB962C8B-B14F-4D97-AF65-F5344CB8AC3E}">
@@ -3400,7 +3603,7 @@
           </a:bodyPr>
           <a:lstStyle/>
           <a:p>
-            <a:pPr algn="dist"/>
+            <a:pPr algn="l"/>
             <a:r>
               <a:rPr lang="ko-KR" altLang="en-US" spc="-300" dirty="0">
                 <a:latin typeface="HY견명조" panose="02030600000101010101" pitchFamily="18" charset="-127"/>
@@ -3450,10 +3653,552 @@
           </a:p>
         </p:txBody>
       </p:sp>
+      <p:sp>
+        <p:nvSpPr>
+          <p:cNvPr id="4" name="제목 1">
+            <a:extLst>
+              <a:ext uri="{FF2B5EF4-FFF2-40B4-BE49-F238E27FC236}">
+                <a16:creationId xmlns:a16="http://schemas.microsoft.com/office/drawing/2014/main" id="{C625283C-2A45-41C5-9047-B7F528333B88}"/>
+              </a:ext>
+            </a:extLst>
+          </p:cNvPr>
+          <p:cNvSpPr txBox="1">
+            <a:spLocks/>
+          </p:cNvSpPr>
+          <p:nvPr/>
+        </p:nvSpPr>
+        <p:spPr>
+          <a:xfrm>
+            <a:off x="0" y="0"/>
+            <a:ext cx="7772400" cy="615011"/>
+          </a:xfrm>
+          <a:prstGeom prst="rect">
+            <a:avLst/>
+          </a:prstGeom>
+        </p:spPr>
+        <p:txBody>
+          <a:bodyPr vert="horz" lIns="91440" tIns="45720" rIns="91440" bIns="45720" rtlCol="0" anchor="t">
+            <a:normAutofit/>
+          </a:bodyPr>
+          <a:lstStyle>
+            <a:lvl1pPr algn="ctr" defTabSz="914400" rtl="0" eaLnBrk="1" latinLnBrk="1" hangingPunct="1">
+              <a:lnSpc>
+                <a:spcPct val="90000"/>
+              </a:lnSpc>
+              <a:spcBef>
+                <a:spcPct val="0"/>
+              </a:spcBef>
+              <a:buNone/>
+              <a:defRPr sz="6000" kern="1200">
+                <a:solidFill>
+                  <a:schemeClr val="tx1"/>
+                </a:solidFill>
+                <a:latin typeface="+mj-lt"/>
+                <a:ea typeface="+mj-ea"/>
+                <a:cs typeface="+mj-cs"/>
+              </a:defRPr>
+            </a:lvl1pPr>
+          </a:lstStyle>
+          <a:p>
+            <a:pPr algn="l"/>
+            <a:r>
+              <a:rPr lang="en-US" altLang="ko-KR" sz="2800" dirty="0">
+                <a:latin typeface="HY견명조" panose="02030600000101010101" pitchFamily="18" charset="-127"/>
+                <a:ea typeface="HY견명조" panose="02030600000101010101" pitchFamily="18" charset="-127"/>
+              </a:rPr>
+              <a:t>Part 1 </a:t>
+            </a:r>
+            <a:r>
+              <a:rPr lang="ko-KR" altLang="en-US" sz="2800" dirty="0">
+                <a:latin typeface="HY견명조" panose="02030600000101010101" pitchFamily="18" charset="-127"/>
+                <a:ea typeface="HY견명조" panose="02030600000101010101" pitchFamily="18" charset="-127"/>
+              </a:rPr>
+              <a:t>기본 테크닉</a:t>
+            </a:r>
+          </a:p>
+        </p:txBody>
+      </p:sp>
     </p:spTree>
     <p:extLst>
       <p:ext uri="{BB962C8B-B14F-4D97-AF65-F5344CB8AC3E}">
         <p14:creationId xmlns:p14="http://schemas.microsoft.com/office/powerpoint/2010/main" val="3816599774"/>
+      </p:ext>
+    </p:extLst>
+  </p:cSld>
+  <p:clrMapOvr>
+    <a:masterClrMapping/>
+  </p:clrMapOvr>
+</p:sld>
+</file>
+
+<file path=ppt/slides/slide6.xml><?xml version="1.0" encoding="utf-8"?>
+<p:sld xmlns:a="http://schemas.openxmlformats.org/drawingml/2006/main" xmlns:r="http://schemas.openxmlformats.org/officeDocument/2006/relationships" xmlns:p="http://schemas.openxmlformats.org/presentationml/2006/main">
+  <p:cSld>
+    <p:spTree>
+      <p:nvGrpSpPr>
+        <p:cNvPr id="1" name=""/>
+        <p:cNvGrpSpPr/>
+        <p:nvPr/>
+      </p:nvGrpSpPr>
+      <p:grpSpPr>
+        <a:xfrm>
+          <a:off x="0" y="0"/>
+          <a:ext cx="0" cy="0"/>
+          <a:chOff x="0" y="0"/>
+          <a:chExt cx="0" cy="0"/>
+        </a:xfrm>
+      </p:grpSpPr>
+      <p:sp>
+        <p:nvSpPr>
+          <p:cNvPr id="2" name="제목 1">
+            <a:extLst>
+              <a:ext uri="{FF2B5EF4-FFF2-40B4-BE49-F238E27FC236}">
+                <a16:creationId xmlns:a16="http://schemas.microsoft.com/office/drawing/2014/main" id="{36F713B5-AF8A-DA5B-3F18-FF520D58B0E7}"/>
+              </a:ext>
+            </a:extLst>
+          </p:cNvPr>
+          <p:cNvSpPr>
+            <a:spLocks noGrp="1"/>
+          </p:cNvSpPr>
+          <p:nvPr>
+            <p:ph type="ctrTitle"/>
+          </p:nvPr>
+        </p:nvSpPr>
+        <p:spPr>
+          <a:xfrm>
+            <a:off x="216816" y="516691"/>
+            <a:ext cx="8927184" cy="1083509"/>
+          </a:xfrm>
+        </p:spPr>
+        <p:txBody>
+          <a:bodyPr>
+            <a:normAutofit/>
+          </a:bodyPr>
+          <a:lstStyle/>
+          <a:p>
+            <a:pPr algn="l"/>
+            <a:r>
+              <a:rPr lang="ko-KR" altLang="en-US" spc="-300" dirty="0">
+                <a:latin typeface="HY견명조" panose="02030600000101010101" pitchFamily="18" charset="-127"/>
+                <a:ea typeface="HY견명조" panose="02030600000101010101" pitchFamily="18" charset="-127"/>
+              </a:rPr>
+              <a:t>템플릿 만드는 방법</a:t>
+            </a:r>
+          </a:p>
+        </p:txBody>
+      </p:sp>
+      <p:sp>
+        <p:nvSpPr>
+          <p:cNvPr id="3" name="부제목 2">
+            <a:extLst>
+              <a:ext uri="{FF2B5EF4-FFF2-40B4-BE49-F238E27FC236}">
+                <a16:creationId xmlns:a16="http://schemas.microsoft.com/office/drawing/2014/main" id="{12BB493E-21D4-57AF-50E8-BD06776AA9E7}"/>
+              </a:ext>
+            </a:extLst>
+          </p:cNvPr>
+          <p:cNvSpPr>
+            <a:spLocks noGrp="1"/>
+          </p:cNvSpPr>
+          <p:nvPr>
+            <p:ph type="subTitle" idx="1"/>
+          </p:nvPr>
+        </p:nvSpPr>
+        <p:spPr/>
+        <p:txBody>
+          <a:bodyPr/>
+          <a:lstStyle/>
+          <a:p>
+            <a:endParaRPr lang="ko-KR" altLang="en-US"/>
+          </a:p>
+        </p:txBody>
+      </p:sp>
+      <p:sp>
+        <p:nvSpPr>
+          <p:cNvPr id="4" name="제목 1">
+            <a:extLst>
+              <a:ext uri="{FF2B5EF4-FFF2-40B4-BE49-F238E27FC236}">
+                <a16:creationId xmlns:a16="http://schemas.microsoft.com/office/drawing/2014/main" id="{C9A328EE-C9E9-4053-9FC3-E48F8DF9DD69}"/>
+              </a:ext>
+            </a:extLst>
+          </p:cNvPr>
+          <p:cNvSpPr txBox="1">
+            <a:spLocks/>
+          </p:cNvSpPr>
+          <p:nvPr/>
+        </p:nvSpPr>
+        <p:spPr>
+          <a:xfrm>
+            <a:off x="0" y="0"/>
+            <a:ext cx="7772400" cy="615011"/>
+          </a:xfrm>
+          <a:prstGeom prst="rect">
+            <a:avLst/>
+          </a:prstGeom>
+        </p:spPr>
+        <p:txBody>
+          <a:bodyPr vert="horz" lIns="91440" tIns="45720" rIns="91440" bIns="45720" rtlCol="0" anchor="t">
+            <a:normAutofit/>
+          </a:bodyPr>
+          <a:lstStyle>
+            <a:lvl1pPr algn="ctr" defTabSz="914400" rtl="0" eaLnBrk="1" latinLnBrk="1" hangingPunct="1">
+              <a:lnSpc>
+                <a:spcPct val="90000"/>
+              </a:lnSpc>
+              <a:spcBef>
+                <a:spcPct val="0"/>
+              </a:spcBef>
+              <a:buNone/>
+              <a:defRPr sz="6000" kern="1200">
+                <a:solidFill>
+                  <a:schemeClr val="tx1"/>
+                </a:solidFill>
+                <a:latin typeface="+mj-lt"/>
+                <a:ea typeface="+mj-ea"/>
+                <a:cs typeface="+mj-cs"/>
+              </a:defRPr>
+            </a:lvl1pPr>
+          </a:lstStyle>
+          <a:p>
+            <a:pPr algn="l"/>
+            <a:r>
+              <a:rPr lang="en-US" altLang="ko-KR" sz="2800" dirty="0">
+                <a:latin typeface="HY견명조" panose="02030600000101010101" pitchFamily="18" charset="-127"/>
+                <a:ea typeface="HY견명조" panose="02030600000101010101" pitchFamily="18" charset="-127"/>
+              </a:rPr>
+              <a:t>Part 1 </a:t>
+            </a:r>
+            <a:r>
+              <a:rPr lang="ko-KR" altLang="en-US" sz="2800" dirty="0">
+                <a:latin typeface="HY견명조" panose="02030600000101010101" pitchFamily="18" charset="-127"/>
+                <a:ea typeface="HY견명조" panose="02030600000101010101" pitchFamily="18" charset="-127"/>
+              </a:rPr>
+              <a:t>기본 테크닉</a:t>
+            </a:r>
+          </a:p>
+        </p:txBody>
+      </p:sp>
+    </p:spTree>
+    <p:extLst>
+      <p:ext uri="{BB962C8B-B14F-4D97-AF65-F5344CB8AC3E}">
+        <p14:creationId xmlns:p14="http://schemas.microsoft.com/office/powerpoint/2010/main" val="3856189926"/>
+      </p:ext>
+    </p:extLst>
+  </p:cSld>
+  <p:clrMapOvr>
+    <a:masterClrMapping/>
+  </p:clrMapOvr>
+</p:sld>
+</file>
+
+<file path=ppt/slides/slide7.xml><?xml version="1.0" encoding="utf-8"?>
+<p:sld xmlns:a="http://schemas.openxmlformats.org/drawingml/2006/main" xmlns:r="http://schemas.openxmlformats.org/officeDocument/2006/relationships" xmlns:p="http://schemas.openxmlformats.org/presentationml/2006/main">
+  <p:cSld>
+    <p:spTree>
+      <p:nvGrpSpPr>
+        <p:cNvPr id="1" name=""/>
+        <p:cNvGrpSpPr/>
+        <p:nvPr/>
+      </p:nvGrpSpPr>
+      <p:grpSpPr>
+        <a:xfrm>
+          <a:off x="0" y="0"/>
+          <a:ext cx="0" cy="0"/>
+          <a:chOff x="0" y="0"/>
+          <a:chExt cx="0" cy="0"/>
+        </a:xfrm>
+      </p:grpSpPr>
+      <p:sp>
+        <p:nvSpPr>
+          <p:cNvPr id="2" name="제목 1">
+            <a:extLst>
+              <a:ext uri="{FF2B5EF4-FFF2-40B4-BE49-F238E27FC236}">
+                <a16:creationId xmlns:a16="http://schemas.microsoft.com/office/drawing/2014/main" id="{36F713B5-AF8A-DA5B-3F18-FF520D58B0E7}"/>
+              </a:ext>
+            </a:extLst>
+          </p:cNvPr>
+          <p:cNvSpPr>
+            <a:spLocks noGrp="1"/>
+          </p:cNvSpPr>
+          <p:nvPr>
+            <p:ph type="ctrTitle"/>
+          </p:nvPr>
+        </p:nvSpPr>
+        <p:spPr>
+          <a:xfrm>
+            <a:off x="216816" y="516691"/>
+            <a:ext cx="8927184" cy="1083509"/>
+          </a:xfrm>
+        </p:spPr>
+        <p:txBody>
+          <a:bodyPr>
+            <a:normAutofit/>
+          </a:bodyPr>
+          <a:lstStyle/>
+          <a:p>
+            <a:pPr algn="l"/>
+            <a:r>
+              <a:rPr lang="ko-KR" altLang="en-US" spc="-300" dirty="0">
+                <a:latin typeface="HY견명조" panose="02030600000101010101" pitchFamily="18" charset="-127"/>
+                <a:ea typeface="HY견명조" panose="02030600000101010101" pitchFamily="18" charset="-127"/>
+              </a:rPr>
+              <a:t>속지 구멍 뚫는 방법</a:t>
+            </a:r>
+          </a:p>
+        </p:txBody>
+      </p:sp>
+      <p:sp>
+        <p:nvSpPr>
+          <p:cNvPr id="3" name="부제목 2">
+            <a:extLst>
+              <a:ext uri="{FF2B5EF4-FFF2-40B4-BE49-F238E27FC236}">
+                <a16:creationId xmlns:a16="http://schemas.microsoft.com/office/drawing/2014/main" id="{12BB493E-21D4-57AF-50E8-BD06776AA9E7}"/>
+              </a:ext>
+            </a:extLst>
+          </p:cNvPr>
+          <p:cNvSpPr>
+            <a:spLocks noGrp="1"/>
+          </p:cNvSpPr>
+          <p:nvPr>
+            <p:ph type="subTitle" idx="1"/>
+          </p:nvPr>
+        </p:nvSpPr>
+        <p:spPr/>
+        <p:txBody>
+          <a:bodyPr/>
+          <a:lstStyle/>
+          <a:p>
+            <a:endParaRPr lang="ko-KR" altLang="en-US"/>
+          </a:p>
+        </p:txBody>
+      </p:sp>
+      <p:sp>
+        <p:nvSpPr>
+          <p:cNvPr id="4" name="제목 1">
+            <a:extLst>
+              <a:ext uri="{FF2B5EF4-FFF2-40B4-BE49-F238E27FC236}">
+                <a16:creationId xmlns:a16="http://schemas.microsoft.com/office/drawing/2014/main" id="{2519127E-4D25-423A-A84F-ED0827B1847F}"/>
+              </a:ext>
+            </a:extLst>
+          </p:cNvPr>
+          <p:cNvSpPr txBox="1">
+            <a:spLocks/>
+          </p:cNvSpPr>
+          <p:nvPr/>
+        </p:nvSpPr>
+        <p:spPr>
+          <a:xfrm>
+            <a:off x="0" y="0"/>
+            <a:ext cx="7772400" cy="615011"/>
+          </a:xfrm>
+          <a:prstGeom prst="rect">
+            <a:avLst/>
+          </a:prstGeom>
+        </p:spPr>
+        <p:txBody>
+          <a:bodyPr vert="horz" lIns="91440" tIns="45720" rIns="91440" bIns="45720" rtlCol="0" anchor="t">
+            <a:normAutofit/>
+          </a:bodyPr>
+          <a:lstStyle>
+            <a:lvl1pPr algn="ctr" defTabSz="914400" rtl="0" eaLnBrk="1" latinLnBrk="1" hangingPunct="1">
+              <a:lnSpc>
+                <a:spcPct val="90000"/>
+              </a:lnSpc>
+              <a:spcBef>
+                <a:spcPct val="0"/>
+              </a:spcBef>
+              <a:buNone/>
+              <a:defRPr sz="6000" kern="1200">
+                <a:solidFill>
+                  <a:schemeClr val="tx1"/>
+                </a:solidFill>
+                <a:latin typeface="+mj-lt"/>
+                <a:ea typeface="+mj-ea"/>
+                <a:cs typeface="+mj-cs"/>
+              </a:defRPr>
+            </a:lvl1pPr>
+          </a:lstStyle>
+          <a:p>
+            <a:pPr algn="l"/>
+            <a:r>
+              <a:rPr lang="en-US" altLang="ko-KR" sz="2800" dirty="0">
+                <a:latin typeface="HY견명조" panose="02030600000101010101" pitchFamily="18" charset="-127"/>
+                <a:ea typeface="HY견명조" panose="02030600000101010101" pitchFamily="18" charset="-127"/>
+              </a:rPr>
+              <a:t>Part 1 </a:t>
+            </a:r>
+            <a:r>
+              <a:rPr lang="ko-KR" altLang="en-US" sz="2800" dirty="0">
+                <a:latin typeface="HY견명조" panose="02030600000101010101" pitchFamily="18" charset="-127"/>
+                <a:ea typeface="HY견명조" panose="02030600000101010101" pitchFamily="18" charset="-127"/>
+              </a:rPr>
+              <a:t>기본 테크닉</a:t>
+            </a:r>
+          </a:p>
+        </p:txBody>
+      </p:sp>
+    </p:spTree>
+    <p:extLst>
+      <p:ext uri="{BB962C8B-B14F-4D97-AF65-F5344CB8AC3E}">
+        <p14:creationId xmlns:p14="http://schemas.microsoft.com/office/powerpoint/2010/main" val="1716583431"/>
+      </p:ext>
+    </p:extLst>
+  </p:cSld>
+  <p:clrMapOvr>
+    <a:masterClrMapping/>
+  </p:clrMapOvr>
+</p:sld>
+</file>
+
+<file path=ppt/slides/slide8.xml><?xml version="1.0" encoding="utf-8"?>
+<p:sld xmlns:a="http://schemas.openxmlformats.org/drawingml/2006/main" xmlns:r="http://schemas.openxmlformats.org/officeDocument/2006/relationships" xmlns:p="http://schemas.openxmlformats.org/presentationml/2006/main">
+  <p:cSld>
+    <p:spTree>
+      <p:nvGrpSpPr>
+        <p:cNvPr id="1" name=""/>
+        <p:cNvGrpSpPr/>
+        <p:nvPr/>
+      </p:nvGrpSpPr>
+      <p:grpSpPr>
+        <a:xfrm>
+          <a:off x="0" y="0"/>
+          <a:ext cx="0" cy="0"/>
+          <a:chOff x="0" y="0"/>
+          <a:chExt cx="0" cy="0"/>
+        </a:xfrm>
+      </p:grpSpPr>
+      <p:sp>
+        <p:nvSpPr>
+          <p:cNvPr id="2" name="제목 1">
+            <a:extLst>
+              <a:ext uri="{FF2B5EF4-FFF2-40B4-BE49-F238E27FC236}">
+                <a16:creationId xmlns:a16="http://schemas.microsoft.com/office/drawing/2014/main" id="{36F713B5-AF8A-DA5B-3F18-FF520D58B0E7}"/>
+              </a:ext>
+            </a:extLst>
+          </p:cNvPr>
+          <p:cNvSpPr>
+            <a:spLocks noGrp="1"/>
+          </p:cNvSpPr>
+          <p:nvPr>
+            <p:ph type="ctrTitle"/>
+          </p:nvPr>
+        </p:nvSpPr>
+        <p:spPr>
+          <a:xfrm>
+            <a:off x="216816" y="516691"/>
+            <a:ext cx="8927184" cy="1083509"/>
+          </a:xfrm>
+        </p:spPr>
+        <p:txBody>
+          <a:bodyPr>
+            <a:normAutofit fontScale="90000"/>
+          </a:bodyPr>
+          <a:lstStyle/>
+          <a:p>
+            <a:pPr algn="l"/>
+            <a:r>
+              <a:rPr lang="ko-KR" altLang="en-US" spc="-300" dirty="0">
+                <a:latin typeface="HY견명조" panose="02030600000101010101" pitchFamily="18" charset="-127"/>
+                <a:ea typeface="HY견명조" panose="02030600000101010101" pitchFamily="18" charset="-127"/>
+              </a:rPr>
+              <a:t>표지 커버링하는 다양한 방법</a:t>
+            </a:r>
+          </a:p>
+        </p:txBody>
+      </p:sp>
+      <p:sp>
+        <p:nvSpPr>
+          <p:cNvPr id="3" name="부제목 2">
+            <a:extLst>
+              <a:ext uri="{FF2B5EF4-FFF2-40B4-BE49-F238E27FC236}">
+                <a16:creationId xmlns:a16="http://schemas.microsoft.com/office/drawing/2014/main" id="{12BB493E-21D4-57AF-50E8-BD06776AA9E7}"/>
+              </a:ext>
+            </a:extLst>
+          </p:cNvPr>
+          <p:cNvSpPr>
+            <a:spLocks noGrp="1"/>
+          </p:cNvSpPr>
+          <p:nvPr>
+            <p:ph type="subTitle" idx="1"/>
+          </p:nvPr>
+        </p:nvSpPr>
+        <p:spPr/>
+        <p:txBody>
+          <a:bodyPr/>
+          <a:lstStyle/>
+          <a:p>
+            <a:endParaRPr lang="ko-KR" altLang="en-US"/>
+          </a:p>
+        </p:txBody>
+      </p:sp>
+      <p:sp>
+        <p:nvSpPr>
+          <p:cNvPr id="4" name="제목 1">
+            <a:extLst>
+              <a:ext uri="{FF2B5EF4-FFF2-40B4-BE49-F238E27FC236}">
+                <a16:creationId xmlns:a16="http://schemas.microsoft.com/office/drawing/2014/main" id="{C231369B-5E3B-4497-B48C-0BD6033617D3}"/>
+              </a:ext>
+            </a:extLst>
+          </p:cNvPr>
+          <p:cNvSpPr txBox="1">
+            <a:spLocks/>
+          </p:cNvSpPr>
+          <p:nvPr/>
+        </p:nvSpPr>
+        <p:spPr>
+          <a:xfrm>
+            <a:off x="0" y="0"/>
+            <a:ext cx="7772400" cy="615011"/>
+          </a:xfrm>
+          <a:prstGeom prst="rect">
+            <a:avLst/>
+          </a:prstGeom>
+        </p:spPr>
+        <p:txBody>
+          <a:bodyPr vert="horz" lIns="91440" tIns="45720" rIns="91440" bIns="45720" rtlCol="0" anchor="t">
+            <a:normAutofit/>
+          </a:bodyPr>
+          <a:lstStyle>
+            <a:lvl1pPr algn="ctr" defTabSz="914400" rtl="0" eaLnBrk="1" latinLnBrk="1" hangingPunct="1">
+              <a:lnSpc>
+                <a:spcPct val="90000"/>
+              </a:lnSpc>
+              <a:spcBef>
+                <a:spcPct val="0"/>
+              </a:spcBef>
+              <a:buNone/>
+              <a:defRPr sz="6000" kern="1200">
+                <a:solidFill>
+                  <a:schemeClr val="tx1"/>
+                </a:solidFill>
+                <a:latin typeface="+mj-lt"/>
+                <a:ea typeface="+mj-ea"/>
+                <a:cs typeface="+mj-cs"/>
+              </a:defRPr>
+            </a:lvl1pPr>
+          </a:lstStyle>
+          <a:p>
+            <a:pPr algn="l"/>
+            <a:r>
+              <a:rPr lang="en-US" altLang="ko-KR" sz="2800" dirty="0">
+                <a:latin typeface="HY견명조" panose="02030600000101010101" pitchFamily="18" charset="-127"/>
+                <a:ea typeface="HY견명조" panose="02030600000101010101" pitchFamily="18" charset="-127"/>
+              </a:rPr>
+              <a:t>Part 1 </a:t>
+            </a:r>
+            <a:r>
+              <a:rPr lang="ko-KR" altLang="en-US" sz="2800" dirty="0">
+                <a:latin typeface="HY견명조" panose="02030600000101010101" pitchFamily="18" charset="-127"/>
+                <a:ea typeface="HY견명조" panose="02030600000101010101" pitchFamily="18" charset="-127"/>
+              </a:rPr>
+              <a:t>기본 테크닉</a:t>
+            </a:r>
+          </a:p>
+        </p:txBody>
+      </p:sp>
+    </p:spTree>
+    <p:extLst>
+      <p:ext uri="{BB962C8B-B14F-4D97-AF65-F5344CB8AC3E}">
+        <p14:creationId xmlns:p14="http://schemas.microsoft.com/office/powerpoint/2010/main" val="2033280684"/>
       </p:ext>
     </p:extLst>
   </p:cSld>
